--- a/docs/diagrams/LogicComponentClassDiagram.pptx
+++ b/docs/diagrams/LogicComponentClassDiagram.pptx
@@ -126,10 +126,6 @@
 </p:presentation>
 </file>
 
-<file path=ppt/revisionInfo.xml><?xml version="1.0" encoding="utf-8"?>
-<p1510:revInfo xmlns:a="http://schemas.openxmlformats.org/drawingml/2006/main" xmlns:r="http://schemas.openxmlformats.org/officeDocument/2006/relationships" xmlns:p1510="http://schemas.microsoft.com/office/powerpoint/2015/10/main"/>
-</file>
-
 <file path=ppt/notesMasters/notesMaster1.xml><?xml version="1.0" encoding="utf-8"?>
 <p:notesMaster xmlns:a="http://schemas.openxmlformats.org/drawingml/2006/main" xmlns:r="http://schemas.openxmlformats.org/officeDocument/2006/relationships" xmlns:p="http://schemas.openxmlformats.org/presentationml/2006/main">
   <p:cSld>
@@ -212,7 +208,7 @@
           <a:p>
             <a:fld id="{F5CC4B3F-88C1-4FFA-B1B6-F41C21DC6924}" type="datetimeFigureOut">
               <a:rPr lang="en-US" smtClean="0"/>
-              <a:t>4/16/2018</a:t>
+              <a:t>10/16/2018</a:t>
             </a:fld>
             <a:endParaRPr lang="en-US"/>
           </a:p>
@@ -658,7 +654,7 @@
           <a:p>
             <a:fld id="{78C97017-6FC3-485B-9764-EAC9E56C1D49}" type="datetimeFigureOut">
               <a:rPr lang="en-US" smtClean="0"/>
-              <a:t>4/16/2018</a:t>
+              <a:t>10/16/2018</a:t>
             </a:fld>
             <a:endParaRPr lang="en-US"/>
           </a:p>
@@ -826,7 +822,7 @@
           <a:p>
             <a:fld id="{78C97017-6FC3-485B-9764-EAC9E56C1D49}" type="datetimeFigureOut">
               <a:rPr lang="en-US" smtClean="0"/>
-              <a:t>4/16/2018</a:t>
+              <a:t>10/16/2018</a:t>
             </a:fld>
             <a:endParaRPr lang="en-US"/>
           </a:p>
@@ -1004,7 +1000,7 @@
           <a:p>
             <a:fld id="{78C97017-6FC3-485B-9764-EAC9E56C1D49}" type="datetimeFigureOut">
               <a:rPr lang="en-US" smtClean="0"/>
-              <a:t>4/16/2018</a:t>
+              <a:t>10/16/2018</a:t>
             </a:fld>
             <a:endParaRPr lang="en-US"/>
           </a:p>
@@ -1172,7 +1168,7 @@
           <a:p>
             <a:fld id="{78C97017-6FC3-485B-9764-EAC9E56C1D49}" type="datetimeFigureOut">
               <a:rPr lang="en-US" smtClean="0"/>
-              <a:t>4/16/2018</a:t>
+              <a:t>10/16/2018</a:t>
             </a:fld>
             <a:endParaRPr lang="en-US"/>
           </a:p>
@@ -1417,7 +1413,7 @@
           <a:p>
             <a:fld id="{78C97017-6FC3-485B-9764-EAC9E56C1D49}" type="datetimeFigureOut">
               <a:rPr lang="en-US" smtClean="0"/>
-              <a:t>4/16/2018</a:t>
+              <a:t>10/16/2018</a:t>
             </a:fld>
             <a:endParaRPr lang="en-US"/>
           </a:p>
@@ -1702,7 +1698,7 @@
           <a:p>
             <a:fld id="{78C97017-6FC3-485B-9764-EAC9E56C1D49}" type="datetimeFigureOut">
               <a:rPr lang="en-US" smtClean="0"/>
-              <a:t>4/16/2018</a:t>
+              <a:t>10/16/2018</a:t>
             </a:fld>
             <a:endParaRPr lang="en-US"/>
           </a:p>
@@ -2121,7 +2117,7 @@
           <a:p>
             <a:fld id="{78C97017-6FC3-485B-9764-EAC9E56C1D49}" type="datetimeFigureOut">
               <a:rPr lang="en-US" smtClean="0"/>
-              <a:t>4/16/2018</a:t>
+              <a:t>10/16/2018</a:t>
             </a:fld>
             <a:endParaRPr lang="en-US"/>
           </a:p>
@@ -2238,7 +2234,7 @@
           <a:p>
             <a:fld id="{78C97017-6FC3-485B-9764-EAC9E56C1D49}" type="datetimeFigureOut">
               <a:rPr lang="en-US" smtClean="0"/>
-              <a:t>4/16/2018</a:t>
+              <a:t>10/16/2018</a:t>
             </a:fld>
             <a:endParaRPr lang="en-US"/>
           </a:p>
@@ -2333,7 +2329,7 @@
           <a:p>
             <a:fld id="{78C97017-6FC3-485B-9764-EAC9E56C1D49}" type="datetimeFigureOut">
               <a:rPr lang="en-US" smtClean="0"/>
-              <a:t>4/16/2018</a:t>
+              <a:t>10/16/2018</a:t>
             </a:fld>
             <a:endParaRPr lang="en-US"/>
           </a:p>
@@ -2608,7 +2604,7 @@
           <a:p>
             <a:fld id="{78C97017-6FC3-485B-9764-EAC9E56C1D49}" type="datetimeFigureOut">
               <a:rPr lang="en-US" smtClean="0"/>
-              <a:t>4/16/2018</a:t>
+              <a:t>10/16/2018</a:t>
             </a:fld>
             <a:endParaRPr lang="en-US"/>
           </a:p>
@@ -2860,7 +2856,7 @@
           <a:p>
             <a:fld id="{78C97017-6FC3-485B-9764-EAC9E56C1D49}" type="datetimeFigureOut">
               <a:rPr lang="en-US" smtClean="0"/>
-              <a:t>4/16/2018</a:t>
+              <a:t>10/16/2018</a:t>
             </a:fld>
             <a:endParaRPr lang="en-US"/>
           </a:p>
@@ -3071,7 +3067,7 @@
           <a:p>
             <a:fld id="{78C97017-6FC3-485B-9764-EAC9E56C1D49}" type="datetimeFigureOut">
               <a:rPr lang="en-US" smtClean="0"/>
-              <a:t>4/16/2018</a:t>
+              <a:t>10/16/2018</a:t>
             </a:fld>
             <a:endParaRPr lang="en-US"/>
           </a:p>
@@ -3455,7 +3451,7 @@
         <p:spPr>
           <a:xfrm>
             <a:off x="1066800" y="914400"/>
-            <a:ext cx="7084740" cy="3733800"/>
+            <a:ext cx="7084740" cy="4103360"/>
           </a:xfrm>
           <a:prstGeom prst="roundRect">
             <a:avLst>
@@ -3551,7 +3547,7 @@
           <a:p>
             <a:pPr algn="ctr"/>
             <a:r>
-              <a:rPr lang="en-US" sz="1050" dirty="0" err="1">
+              <a:rPr lang="en-US" sz="1050" dirty="0">
                 <a:solidFill>
                   <a:schemeClr val="bg1"/>
                 </a:solidFill>
@@ -3607,7 +3603,7 @@
           <a:p>
             <a:pPr algn="ctr"/>
             <a:r>
-              <a:rPr lang="en-US" sz="1050" b="1" dirty="0" err="1" smtClean="0">
+              <a:rPr lang="en-US" sz="1050" b="1" dirty="0">
                 <a:solidFill>
                   <a:srgbClr val="0070C0"/>
                 </a:solidFill>
@@ -3630,7 +3626,7 @@
         </p:nvSpPr>
         <p:spPr>
           <a:xfrm>
-            <a:off x="1782495" y="3583530"/>
+            <a:off x="1775402" y="3968133"/>
             <a:ext cx="1093635" cy="346760"/>
           </a:xfrm>
           <a:prstGeom prst="rect">
@@ -3666,7 +3662,7 @@
           <a:p>
             <a:pPr algn="ctr"/>
             <a:r>
-              <a:rPr lang="en-US" sz="1050" dirty="0" err="1">
+              <a:rPr lang="en-US" sz="1050" dirty="0">
                 <a:solidFill>
                   <a:schemeClr val="bg1"/>
                 </a:solidFill>
@@ -3693,11 +3689,11 @@
         <p:spPr>
           <a:xfrm flipH="1" flipV="1">
             <a:off x="3189583" y="1426447"/>
-            <a:ext cx="4559332" cy="2895973"/>
+            <a:ext cx="4527653" cy="3311069"/>
           </a:xfrm>
           <a:prstGeom prst="bentConnector3">
             <a:avLst>
-              <a:gd name="adj1" fmla="val -5014"/>
+              <a:gd name="adj1" fmla="val -5049"/>
             </a:avLst>
           </a:prstGeom>
           <a:ln w="19050">
@@ -3776,7 +3772,7 @@
         </p:nvSpPr>
         <p:spPr>
           <a:xfrm>
-            <a:off x="1103085" y="4777355"/>
+            <a:off x="1084012" y="5227101"/>
             <a:ext cx="7050315" cy="328045"/>
           </a:xfrm>
           <a:prstGeom prst="roundRect">
@@ -3836,7 +3832,7 @@
         </p:nvSpPr>
         <p:spPr>
           <a:xfrm>
-            <a:off x="6976872" y="4149040"/>
+            <a:off x="6945193" y="4564136"/>
             <a:ext cx="772043" cy="346760"/>
           </a:xfrm>
           <a:prstGeom prst="rect">
@@ -3907,7 +3903,7 @@
         </p:nvSpPr>
         <p:spPr>
           <a:xfrm>
-            <a:off x="3255418" y="3554995"/>
+            <a:off x="3992880" y="3992655"/>
             <a:ext cx="1045323" cy="384497"/>
           </a:xfrm>
           <a:prstGeom prst="rect">
@@ -3939,18 +3935,13 @@
           <a:p>
             <a:pPr algn="ctr"/>
             <a:r>
-              <a:rPr lang="en-US" sz="1050" dirty="0" err="1" smtClean="0">
+              <a:rPr lang="en-US" sz="1050" dirty="0">
                 <a:solidFill>
                   <a:schemeClr val="bg1"/>
                 </a:solidFill>
               </a:rPr>
               <a:t>AddressBook</a:t>
             </a:r>
-            <a:endParaRPr lang="en-US" sz="1050" dirty="0">
-              <a:solidFill>
-                <a:schemeClr val="bg1"/>
-              </a:solidFill>
-            </a:endParaRPr>
           </a:p>
           <a:p>
             <a:pPr algn="ctr"/>
@@ -3974,14 +3965,15 @@
         <p:nvCxnSpPr>
           <p:cNvPr id="18" name="Straight Arrow Connector 110"/>
           <p:cNvCxnSpPr>
+            <a:cxnSpLocks/>
             <a:stCxn id="12" idx="2"/>
           </p:cNvCxnSpPr>
           <p:nvPr/>
         </p:nvCxnSpPr>
         <p:spPr>
           <a:xfrm>
-            <a:off x="7362894" y="4495800"/>
-            <a:ext cx="0" cy="281555"/>
+            <a:off x="7331215" y="4910896"/>
+            <a:ext cx="0" cy="270704"/>
           </a:xfrm>
           <a:prstGeom prst="straightConnector1">
             <a:avLst/>
@@ -4146,8 +4138,8 @@
         </p:nvCxnSpPr>
         <p:spPr>
           <a:xfrm rot="10800000">
-            <a:off x="1494291" y="3604524"/>
-            <a:ext cx="288204" cy="152387"/>
+            <a:off x="1494292" y="3604523"/>
+            <a:ext cx="281111" cy="536990"/>
           </a:xfrm>
           <a:prstGeom prst="bentConnector2">
             <a:avLst/>
@@ -4181,14 +4173,15 @@
         <p:nvCxnSpPr>
           <p:cNvPr id="23" name="Straight Arrow Connector 57"/>
           <p:cNvCxnSpPr>
+            <a:cxnSpLocks/>
             <a:stCxn id="5" idx="2"/>
           </p:cNvCxnSpPr>
           <p:nvPr/>
         </p:nvCxnSpPr>
         <p:spPr>
-          <a:xfrm>
-            <a:off x="2329313" y="3930290"/>
-            <a:ext cx="1376" cy="854841"/>
+          <a:xfrm flipH="1">
+            <a:off x="2315876" y="4314893"/>
+            <a:ext cx="6344" cy="920577"/>
           </a:xfrm>
           <a:prstGeom prst="straightConnector1">
             <a:avLst/>
@@ -4225,7 +4218,7 @@
         </p:nvCxnSpPr>
         <p:spPr>
           <a:xfrm>
-            <a:off x="893311" y="2832505"/>
+            <a:off x="837005" y="2380982"/>
             <a:ext cx="419548" cy="2860"/>
           </a:xfrm>
           <a:prstGeom prst="bentConnector3">
@@ -4264,18 +4257,19 @@
         <p:nvCxnSpPr>
           <p:cNvPr id="25" name="Elbow Connector 63"/>
           <p:cNvCxnSpPr>
+            <a:cxnSpLocks/>
             <a:endCxn id="12" idx="1"/>
           </p:cNvCxnSpPr>
           <p:nvPr/>
         </p:nvCxnSpPr>
         <p:spPr>
           <a:xfrm>
-            <a:off x="2281833" y="3939492"/>
-            <a:ext cx="4695039" cy="382928"/>
+            <a:off x="2487353" y="4349922"/>
+            <a:ext cx="4457840" cy="387594"/>
           </a:xfrm>
           <a:prstGeom prst="bentConnector3">
             <a:avLst>
-              <a:gd name="adj1" fmla="val -81"/>
+              <a:gd name="adj1" fmla="val 224"/>
             </a:avLst>
           </a:prstGeom>
           <a:ln w="19050">
@@ -4311,9 +4305,9 @@
         </p:nvGrpSpPr>
         <p:grpSpPr>
           <a:xfrm>
-            <a:off x="4597400" y="4341168"/>
+            <a:off x="4366802" y="4498150"/>
             <a:ext cx="889000" cy="230832"/>
-            <a:chOff x="2895600" y="807932"/>
+            <a:chOff x="2665002" y="964914"/>
             <a:chExt cx="889000" cy="230832"/>
           </a:xfrm>
         </p:grpSpPr>
@@ -4325,7 +4319,7 @@
           </p:nvSpPr>
           <p:spPr>
             <a:xfrm>
-              <a:off x="2895600" y="807932"/>
+              <a:off x="2665002" y="964914"/>
               <a:ext cx="728806" cy="230832"/>
             </a:xfrm>
             <a:prstGeom prst="rect">
@@ -4364,7 +4358,7 @@
           </p:nvSpPr>
           <p:spPr>
             <a:xfrm rot="5400000">
-              <a:off x="3683524" y="866776"/>
+              <a:off x="3452926" y="1023758"/>
               <a:ext cx="125951" cy="76201"/>
             </a:xfrm>
             <a:prstGeom prst="triangle">
@@ -4510,7 +4504,7 @@
         </p:nvSpPr>
         <p:spPr>
           <a:xfrm>
-            <a:off x="3048000" y="3733800"/>
+            <a:off x="3024113" y="4231565"/>
             <a:ext cx="131116" cy="230832"/>
           </a:xfrm>
           <a:prstGeom prst="rect">
@@ -4544,13 +4538,15 @@
       <p:cxnSp>
         <p:nvCxnSpPr>
           <p:cNvPr id="39" name="Elbow Connector 122"/>
-          <p:cNvCxnSpPr/>
+          <p:cNvCxnSpPr>
+            <a:cxnSpLocks/>
+          </p:cNvCxnSpPr>
           <p:nvPr/>
         </p:nvCxnSpPr>
         <p:spPr>
-          <a:xfrm rot="5400000" flipH="1" flipV="1">
-            <a:off x="1193276" y="2601868"/>
-            <a:ext cx="1969553" cy="2764"/>
+          <a:xfrm rot="16200000" flipV="1">
+            <a:off x="1056729" y="2789182"/>
+            <a:ext cx="2251812" cy="7336"/>
           </a:xfrm>
           <a:prstGeom prst="bentConnector3">
             <a:avLst>
@@ -4590,8 +4586,8 @@
         </p:nvSpPr>
         <p:spPr>
           <a:xfrm>
-            <a:off x="3174214" y="1862795"/>
-            <a:ext cx="751107" cy="346760"/>
+            <a:off x="3090582" y="1677288"/>
+            <a:ext cx="844000" cy="346760"/>
           </a:xfrm>
           <a:prstGeom prst="rect">
             <a:avLst/>
@@ -4670,8 +4666,8 @@
         </p:nvSpPr>
         <p:spPr>
           <a:xfrm>
-            <a:off x="2238496" y="2454481"/>
-            <a:ext cx="726243" cy="174580"/>
+            <a:off x="2266701" y="2279015"/>
+            <a:ext cx="612398" cy="174573"/>
           </a:xfrm>
           <a:prstGeom prst="rect">
             <a:avLst/>
@@ -4735,8 +4731,8 @@
         </p:nvSpPr>
         <p:spPr>
           <a:xfrm>
-            <a:off x="3186326" y="2841725"/>
-            <a:ext cx="731636" cy="283820"/>
+            <a:off x="3090581" y="2603250"/>
+            <a:ext cx="832773" cy="283820"/>
           </a:xfrm>
           <a:prstGeom prst="rect">
             <a:avLst/>
@@ -4777,18 +4773,13 @@
           <a:p>
             <a:pPr algn="ctr"/>
             <a:r>
-              <a:rPr lang="en-SG" sz="1050" dirty="0" err="1">
+              <a:rPr lang="en-SG" sz="1050" dirty="0">
                 <a:solidFill>
                   <a:schemeClr val="bg1"/>
                 </a:solidFill>
               </a:rPr>
               <a:t>CliSyntax</a:t>
             </a:r>
-            <a:endParaRPr lang="en-SG" sz="1050" dirty="0">
-              <a:solidFill>
-                <a:schemeClr val="bg1"/>
-              </a:solidFill>
-            </a:endParaRPr>
           </a:p>
         </p:txBody>
       </p:sp>
@@ -4800,8 +4791,8 @@
         </p:nvSpPr>
         <p:spPr>
           <a:xfrm>
-            <a:off x="3186326" y="3190882"/>
-            <a:ext cx="731636" cy="283820"/>
+            <a:off x="3090581" y="2950755"/>
+            <a:ext cx="829917" cy="283820"/>
           </a:xfrm>
           <a:prstGeom prst="rect">
             <a:avLst/>
@@ -4842,18 +4833,13 @@
           <a:p>
             <a:pPr algn="ctr"/>
             <a:r>
-              <a:rPr lang="en-SG" sz="1050" dirty="0" err="1">
+              <a:rPr lang="en-SG" sz="1050" dirty="0">
                 <a:solidFill>
                   <a:schemeClr val="bg1"/>
                 </a:solidFill>
               </a:rPr>
-              <a:t>ParserUtil</a:t>
-            </a:r>
-            <a:endParaRPr lang="en-SG" sz="1050" dirty="0">
-              <a:solidFill>
-                <a:schemeClr val="bg1"/>
-              </a:solidFill>
-            </a:endParaRPr>
+              <a:t>ParserUserUtil</a:t>
+            </a:r>
           </a:p>
         </p:txBody>
       </p:sp>
@@ -4869,8 +4855,8 @@
         </p:nvCxnSpPr>
         <p:spPr>
           <a:xfrm rot="10800000">
-            <a:off x="2601618" y="2629061"/>
-            <a:ext cx="584708" cy="354574"/>
+            <a:off x="2572901" y="2453588"/>
+            <a:ext cx="517681" cy="291572"/>
           </a:xfrm>
           <a:prstGeom prst="bentConnector2">
             <a:avLst/>
@@ -4915,8 +4901,8 @@
         </p:nvCxnSpPr>
         <p:spPr>
           <a:xfrm rot="10800000" flipV="1">
-            <a:off x="2601618" y="2036175"/>
-            <a:ext cx="572596" cy="418306"/>
+            <a:off x="2572900" y="1850667"/>
+            <a:ext cx="517682" cy="428347"/>
           </a:xfrm>
           <a:prstGeom prst="bentConnector2">
             <a:avLst/>
@@ -4957,9 +4943,9 @@
         </p:nvGrpSpPr>
         <p:grpSpPr>
           <a:xfrm rot="10800000">
-            <a:off x="4687086" y="3784757"/>
+            <a:off x="4929192" y="3726745"/>
             <a:ext cx="555486" cy="254462"/>
-            <a:chOff x="3703306" y="644022"/>
+            <a:chOff x="3436134" y="511866"/>
             <a:chExt cx="555486" cy="230832"/>
           </a:xfrm>
         </p:grpSpPr>
@@ -4971,7 +4957,7 @@
           </p:nvSpPr>
           <p:spPr>
             <a:xfrm rot="10800000">
-              <a:off x="3703306" y="644022"/>
+              <a:off x="3436134" y="511866"/>
               <a:ext cx="555486" cy="230832"/>
             </a:xfrm>
             <a:prstGeom prst="rect">
@@ -5013,7 +4999,7 @@
           </p:nvSpPr>
           <p:spPr>
             <a:xfrm rot="5400000" flipV="1">
-              <a:off x="3700294" y="741689"/>
+              <a:off x="3433122" y="609534"/>
               <a:ext cx="119885" cy="88141"/>
             </a:xfrm>
             <a:prstGeom prst="triangle">
@@ -5062,7 +5048,7 @@
         </p:nvSpPr>
         <p:spPr>
           <a:xfrm flipV="1">
-            <a:off x="7227643" y="3980475"/>
+            <a:off x="7228186" y="4354661"/>
             <a:ext cx="270504" cy="175523"/>
           </a:xfrm>
           <a:prstGeom prst="triangle">
@@ -5112,15 +5098,16 @@
         <p:nvCxnSpPr>
           <p:cNvPr id="96" name="Elbow Connector 95"/>
           <p:cNvCxnSpPr>
+            <a:cxnSpLocks/>
             <a:stCxn id="87" idx="3"/>
             <a:endCxn id="4" idx="2"/>
           </p:cNvCxnSpPr>
           <p:nvPr/>
         </p:nvCxnSpPr>
         <p:spPr>
-          <a:xfrm rot="5400000" flipH="1" flipV="1">
-            <a:off x="6916385" y="3533423"/>
-            <a:ext cx="893563" cy="542"/>
+          <a:xfrm rot="16200000" flipV="1">
+            <a:off x="6729564" y="3720786"/>
+            <a:ext cx="1267749" cy="1"/>
           </a:xfrm>
           <a:prstGeom prst="bentConnector3">
             <a:avLst>
@@ -5202,8 +5189,8 @@
         </p:nvSpPr>
         <p:spPr>
           <a:xfrm>
-            <a:off x="3174214" y="2370131"/>
-            <a:ext cx="750156" cy="340758"/>
+            <a:off x="3098079" y="2199752"/>
+            <a:ext cx="832773" cy="340758"/>
           </a:xfrm>
           <a:prstGeom prst="rect">
             <a:avLst/>
@@ -5280,9 +5267,9 @@
           <p:nvPr/>
         </p:nvCxnSpPr>
         <p:spPr>
-          <a:xfrm rot="10800000" flipV="1">
-            <a:off x="2964740" y="2540509"/>
-            <a:ext cx="209475" cy="1261"/>
+          <a:xfrm rot="10800000">
+            <a:off x="2879099" y="2366303"/>
+            <a:ext cx="218980" cy="3829"/>
           </a:xfrm>
           <a:prstGeom prst="bentConnector3">
             <a:avLst>
@@ -5328,9 +5315,9 @@
           <p:nvPr/>
         </p:nvCxnSpPr>
         <p:spPr>
-          <a:xfrm rot="5400000">
-            <a:off x="3469242" y="2289605"/>
-            <a:ext cx="160576" cy="476"/>
+          <a:xfrm rot="16200000" flipH="1">
+            <a:off x="3425672" y="2110958"/>
+            <a:ext cx="175704" cy="1884"/>
           </a:xfrm>
           <a:prstGeom prst="bentConnector3">
             <a:avLst>
@@ -5373,7 +5360,7 @@
         </p:nvSpPr>
         <p:spPr>
           <a:xfrm>
-            <a:off x="1295065" y="4183424"/>
+            <a:off x="1269360" y="4550708"/>
             <a:ext cx="805984" cy="346760"/>
           </a:xfrm>
           <a:prstGeom prst="rect">
@@ -5409,7 +5396,7 @@
           <a:p>
             <a:pPr algn="ctr"/>
             <a:r>
-              <a:rPr lang="en-US" sz="1050">
+              <a:rPr lang="en-US" sz="1050" dirty="0">
                 <a:solidFill>
                   <a:schemeClr val="bg1"/>
                 </a:solidFill>
@@ -5438,13 +5425,15 @@
       <p:cxnSp>
         <p:nvCxnSpPr>
           <p:cNvPr id="88" name="Straight Arrow Connector 57"/>
-          <p:cNvCxnSpPr/>
+          <p:cNvCxnSpPr>
+            <a:cxnSpLocks/>
+          </p:cNvCxnSpPr>
           <p:nvPr/>
         </p:nvCxnSpPr>
         <p:spPr>
-          <a:xfrm>
-            <a:off x="1971157" y="3939492"/>
-            <a:ext cx="2022" cy="240622"/>
+          <a:xfrm flipH="1">
+            <a:off x="1966908" y="4349922"/>
+            <a:ext cx="9731" cy="180262"/>
           </a:xfrm>
           <a:prstGeom prst="straightConnector1">
             <a:avLst/>
@@ -5481,7 +5470,7 @@
         </p:nvSpPr>
         <p:spPr>
           <a:xfrm>
-            <a:off x="1773980" y="4000395"/>
+            <a:off x="1769059" y="4349922"/>
             <a:ext cx="131116" cy="230832"/>
           </a:xfrm>
           <a:prstGeom prst="rect">
@@ -5737,13 +5726,15 @@
       <p:cxnSp>
         <p:nvCxnSpPr>
           <p:cNvPr id="95" name="Straight Connector 94"/>
-          <p:cNvCxnSpPr/>
+          <p:cNvCxnSpPr>
+            <a:cxnSpLocks/>
+          </p:cNvCxnSpPr>
           <p:nvPr/>
         </p:nvCxnSpPr>
         <p:spPr>
           <a:xfrm>
-            <a:off x="2893971" y="3687139"/>
-            <a:ext cx="361447" cy="0"/>
+            <a:off x="2870084" y="4184904"/>
+            <a:ext cx="1060768" cy="0"/>
           </a:xfrm>
           <a:prstGeom prst="line">
             <a:avLst/>
@@ -5815,18 +5806,13 @@
           <a:p>
             <a:pPr algn="ctr"/>
             <a:r>
-              <a:rPr lang="en-US" sz="1050" b="1" dirty="0" err="1" smtClean="0">
+              <a:rPr lang="en-US" sz="1050" b="1" dirty="0">
                 <a:solidFill>
                   <a:schemeClr val="bg1"/>
                 </a:solidFill>
               </a:rPr>
               <a:t>XYZCommand</a:t>
             </a:r>
-            <a:endParaRPr lang="en-US" sz="1050" b="1" dirty="0">
-              <a:solidFill>
-                <a:schemeClr val="bg1"/>
-              </a:solidFill>
-            </a:endParaRPr>
           </a:p>
           <a:p>
             <a:pPr algn="ctr"/>
@@ -5857,8 +5843,8 @@
         </p:nvCxnSpPr>
         <p:spPr>
           <a:xfrm rot="10800000">
-            <a:off x="3917734" y="2058661"/>
-            <a:ext cx="1156608" cy="855530"/>
+            <a:off x="3992880" y="1859281"/>
+            <a:ext cx="1081462" cy="1054911"/>
           </a:xfrm>
           <a:prstGeom prst="bentConnector3">
             <a:avLst>
@@ -5904,8 +5890,8 @@
         </p:nvCxnSpPr>
         <p:spPr>
           <a:xfrm rot="10800000">
-            <a:off x="3921964" y="2540511"/>
-            <a:ext cx="1152379" cy="373681"/>
+            <a:off x="3971630" y="2355171"/>
+            <a:ext cx="1102712" cy="559021"/>
           </a:xfrm>
           <a:prstGeom prst="bentConnector3">
             <a:avLst>
@@ -5950,9 +5936,9 @@
           <p:nvPr/>
         </p:nvCxnSpPr>
         <p:spPr>
-          <a:xfrm rot="10800000" flipV="1">
-            <a:off x="3926192" y="2914191"/>
-            <a:ext cx="1148150" cy="108168"/>
+          <a:xfrm rot="10800000">
+            <a:off x="3971630" y="2756593"/>
+            <a:ext cx="1102712" cy="157598"/>
           </a:xfrm>
           <a:prstGeom prst="bentConnector3">
             <a:avLst>
@@ -5998,8 +5984,8 @@
         </p:nvCxnSpPr>
         <p:spPr>
           <a:xfrm rot="10800000" flipV="1">
-            <a:off x="3930422" y="2914191"/>
-            <a:ext cx="1143921" cy="439870"/>
+            <a:off x="3968774" y="2914190"/>
+            <a:ext cx="1105568" cy="188065"/>
           </a:xfrm>
           <a:prstGeom prst="bentConnector3">
             <a:avLst>
@@ -6045,8 +6031,8 @@
         </p:nvCxnSpPr>
         <p:spPr>
           <a:xfrm flipV="1">
-            <a:off x="4300741" y="3087571"/>
-            <a:ext cx="1269594" cy="659673"/>
+            <a:off x="5038203" y="3087571"/>
+            <a:ext cx="532132" cy="1097333"/>
           </a:xfrm>
           <a:prstGeom prst="bentConnector2">
             <a:avLst/>
@@ -6165,61 +6151,264 @@
           <a:p>
             <a:pPr algn="ctr"/>
             <a:r>
-              <a:rPr lang="en-US" sz="1050" dirty="0" err="1" smtClean="0">
+              <a:rPr lang="en-US" sz="1050" dirty="0">
                 <a:solidFill>
                   <a:schemeClr val="bg1"/>
                 </a:solidFill>
               </a:rPr>
-              <a:t>XYZCommand</a:t>
-            </a:r>
-            <a:r>
-              <a:rPr lang="en-US" sz="1050" dirty="0" smtClean="0">
+              <a:t>XYZCommand = AddCommand, FindCommand, etc.</a:t>
+            </a:r>
+          </a:p>
+        </p:txBody>
+      </p:sp>
+      <p:sp>
+        <p:nvSpPr>
+          <p:cNvPr id="77" name="Rectangle 62">
+            <a:extLst>
+              <a:ext uri="{FF2B5EF4-FFF2-40B4-BE49-F238E27FC236}">
+                <a16:creationId xmlns:a16="http://schemas.microsoft.com/office/drawing/2014/main" id="{F4DC3482-FDE7-42B3-A872-A41E81DC78F9}"/>
+              </a:ext>
+            </a:extLst>
+          </p:cNvPr>
+          <p:cNvSpPr/>
+          <p:nvPr/>
+        </p:nvSpPr>
+        <p:spPr>
+          <a:xfrm>
+            <a:off x="3095782" y="3632484"/>
+            <a:ext cx="835069" cy="444249"/>
+          </a:xfrm>
+          <a:prstGeom prst="rect">
+            <a:avLst/>
+          </a:prstGeom>
+          <a:solidFill>
+            <a:schemeClr val="accent5">
+              <a:lumMod val="60000"/>
+              <a:lumOff val="40000"/>
+            </a:schemeClr>
+          </a:solidFill>
+          <a:ln w="19050">
+            <a:solidFill>
+              <a:schemeClr val="accent5">
+                <a:lumMod val="60000"/>
+                <a:lumOff val="40000"/>
+              </a:schemeClr>
+            </a:solidFill>
+          </a:ln>
+          <a:effectLst/>
+        </p:spPr>
+        <p:style>
+          <a:lnRef idx="1">
+            <a:schemeClr val="accent2"/>
+          </a:lnRef>
+          <a:fillRef idx="2">
+            <a:schemeClr val="accent2"/>
+          </a:fillRef>
+          <a:effectRef idx="1">
+            <a:schemeClr val="accent2"/>
+          </a:effectRef>
+          <a:fontRef idx="minor">
+            <a:schemeClr val="dk1"/>
+          </a:fontRef>
+        </p:style>
+        <p:txBody>
+          <a:bodyPr rtlCol="0" anchor="ctr"/>
+          <a:lstStyle/>
+          <a:p>
+            <a:pPr algn="ctr"/>
+            <a:r>
+              <a:rPr lang="en-SG" sz="1050" dirty="0">
                 <a:solidFill>
                   <a:schemeClr val="bg1"/>
                 </a:solidFill>
               </a:rPr>
-              <a:t> = </a:t>
-            </a:r>
-            <a:r>
-              <a:rPr lang="en-US" sz="1050" dirty="0" err="1" smtClean="0">
+              <a:t>Parser</a:t>
+            </a:r>
+          </a:p>
+          <a:p>
+            <a:pPr algn="ctr"/>
+            <a:r>
+              <a:rPr lang="en-SG" sz="1050" dirty="0">
                 <a:solidFill>
                   <a:schemeClr val="bg1"/>
                 </a:solidFill>
               </a:rPr>
-              <a:t>AddCommand</a:t>
-            </a:r>
-            <a:r>
-              <a:rPr lang="en-US" sz="1050" dirty="0" smtClean="0">
+              <a:t>RestaurantUtil</a:t>
+            </a:r>
+          </a:p>
+        </p:txBody>
+      </p:sp>
+      <p:sp>
+        <p:nvSpPr>
+          <p:cNvPr id="78" name="Rectangle 62">
+            <a:extLst>
+              <a:ext uri="{FF2B5EF4-FFF2-40B4-BE49-F238E27FC236}">
+                <a16:creationId xmlns:a16="http://schemas.microsoft.com/office/drawing/2014/main" id="{6178815A-9C2F-4028-9A99-8DDD3221E135}"/>
+              </a:ext>
+            </a:extLst>
+          </p:cNvPr>
+          <p:cNvSpPr/>
+          <p:nvPr/>
+        </p:nvSpPr>
+        <p:spPr>
+          <a:xfrm>
+            <a:off x="3088447" y="3294186"/>
+            <a:ext cx="830968" cy="283820"/>
+          </a:xfrm>
+          <a:prstGeom prst="rect">
+            <a:avLst/>
+          </a:prstGeom>
+          <a:solidFill>
+            <a:schemeClr val="accent5">
+              <a:lumMod val="60000"/>
+              <a:lumOff val="40000"/>
+            </a:schemeClr>
+          </a:solidFill>
+          <a:ln w="19050">
+            <a:solidFill>
+              <a:schemeClr val="accent5">
+                <a:lumMod val="60000"/>
+                <a:lumOff val="40000"/>
+              </a:schemeClr>
+            </a:solidFill>
+          </a:ln>
+          <a:effectLst/>
+        </p:spPr>
+        <p:style>
+          <a:lnRef idx="1">
+            <a:schemeClr val="accent2"/>
+          </a:lnRef>
+          <a:fillRef idx="2">
+            <a:schemeClr val="accent2"/>
+          </a:fillRef>
+          <a:effectRef idx="1">
+            <a:schemeClr val="accent2"/>
+          </a:effectRef>
+          <a:fontRef idx="minor">
+            <a:schemeClr val="dk1"/>
+          </a:fontRef>
+        </p:style>
+        <p:txBody>
+          <a:bodyPr rtlCol="0" anchor="ctr"/>
+          <a:lstStyle/>
+          <a:p>
+            <a:pPr algn="ctr"/>
+            <a:r>
+              <a:rPr lang="en-SG" sz="1050" dirty="0">
                 <a:solidFill>
                   <a:schemeClr val="bg1"/>
                 </a:solidFill>
               </a:rPr>
-              <a:t>, </a:t>
-            </a:r>
-            <a:r>
-              <a:rPr lang="en-US" sz="1050" dirty="0" err="1" smtClean="0">
-                <a:solidFill>
-                  <a:schemeClr val="bg1"/>
-                </a:solidFill>
-              </a:rPr>
-              <a:t>FindCommand</a:t>
-            </a:r>
-            <a:r>
-              <a:rPr lang="en-US" sz="1050" dirty="0" smtClean="0">
-                <a:solidFill>
-                  <a:schemeClr val="bg1"/>
-                </a:solidFill>
-              </a:rPr>
-              <a:t>, etc.</a:t>
-            </a:r>
-            <a:endParaRPr lang="en-US" sz="1050" dirty="0">
-              <a:solidFill>
-                <a:schemeClr val="bg1"/>
-              </a:solidFill>
-            </a:endParaRPr>
-          </a:p>
-        </p:txBody>
-      </p:sp>
+              <a:t>ParserUtil</a:t>
+            </a:r>
+          </a:p>
+        </p:txBody>
+      </p:sp>
+      <p:cxnSp>
+        <p:nvCxnSpPr>
+          <p:cNvPr id="105" name="Elbow Connector 12">
+            <a:extLst>
+              <a:ext uri="{FF2B5EF4-FFF2-40B4-BE49-F238E27FC236}">
+                <a16:creationId xmlns:a16="http://schemas.microsoft.com/office/drawing/2014/main" id="{3F577058-6F86-4A54-936D-7C6CB56C7D63}"/>
+              </a:ext>
+            </a:extLst>
+          </p:cNvPr>
+          <p:cNvCxnSpPr>
+            <a:cxnSpLocks/>
+          </p:cNvCxnSpPr>
+          <p:nvPr/>
+        </p:nvCxnSpPr>
+        <p:spPr>
+          <a:xfrm rot="10800000" flipV="1">
+            <a:off x="3971630" y="2932172"/>
+            <a:ext cx="1081958" cy="494067"/>
+          </a:xfrm>
+          <a:prstGeom prst="bentConnector3">
+            <a:avLst>
+              <a:gd name="adj1" fmla="val 50000"/>
+            </a:avLst>
+          </a:prstGeom>
+          <a:ln w="19050">
+            <a:solidFill>
+              <a:schemeClr val="accent5">
+                <a:lumMod val="60000"/>
+                <a:lumOff val="40000"/>
+              </a:schemeClr>
+            </a:solidFill>
+            <a:prstDash val="sysDot"/>
+            <a:headEnd type="none" w="med" len="med"/>
+            <a:tailEnd type="arrow" w="med" len="med"/>
+          </a:ln>
+          <a:effectLst/>
+        </p:spPr>
+        <p:style>
+          <a:lnRef idx="1">
+            <a:schemeClr val="accent2"/>
+          </a:lnRef>
+          <a:fillRef idx="2">
+            <a:schemeClr val="accent2"/>
+          </a:fillRef>
+          <a:effectRef idx="1">
+            <a:schemeClr val="accent2"/>
+          </a:effectRef>
+          <a:fontRef idx="minor">
+            <a:schemeClr val="dk1"/>
+          </a:fontRef>
+        </p:style>
+      </p:cxnSp>
+      <p:cxnSp>
+        <p:nvCxnSpPr>
+          <p:cNvPr id="116" name="Elbow Connector 12">
+            <a:extLst>
+              <a:ext uri="{FF2B5EF4-FFF2-40B4-BE49-F238E27FC236}">
+                <a16:creationId xmlns:a16="http://schemas.microsoft.com/office/drawing/2014/main" id="{3E239557-AF36-4BF2-9F8D-9EA6DF2C9458}"/>
+              </a:ext>
+            </a:extLst>
+          </p:cNvPr>
+          <p:cNvCxnSpPr>
+            <a:cxnSpLocks/>
+            <a:stCxn id="42" idx="3"/>
+          </p:cNvCxnSpPr>
+          <p:nvPr/>
+        </p:nvCxnSpPr>
+        <p:spPr>
+          <a:xfrm rot="10800000" flipV="1">
+            <a:off x="3971630" y="2914191"/>
+            <a:ext cx="1102712" cy="892860"/>
+          </a:xfrm>
+          <a:prstGeom prst="bentConnector3">
+            <a:avLst>
+              <a:gd name="adj1" fmla="val 50000"/>
+            </a:avLst>
+          </a:prstGeom>
+          <a:ln w="19050">
+            <a:solidFill>
+              <a:schemeClr val="accent5">
+                <a:lumMod val="60000"/>
+                <a:lumOff val="40000"/>
+              </a:schemeClr>
+            </a:solidFill>
+            <a:prstDash val="sysDot"/>
+            <a:headEnd type="none" w="med" len="med"/>
+            <a:tailEnd type="arrow" w="med" len="med"/>
+          </a:ln>
+          <a:effectLst/>
+        </p:spPr>
+        <p:style>
+          <a:lnRef idx="1">
+            <a:schemeClr val="accent2"/>
+          </a:lnRef>
+          <a:fillRef idx="2">
+            <a:schemeClr val="accent2"/>
+          </a:fillRef>
+          <a:effectRef idx="1">
+            <a:schemeClr val="accent2"/>
+          </a:effectRef>
+          <a:fontRef idx="minor">
+            <a:schemeClr val="dk1"/>
+          </a:fontRef>
+        </p:style>
+      </p:cxnSp>
     </p:spTree>
     <p:extLst>
       <p:ext uri="{BB962C8B-B14F-4D97-AF65-F5344CB8AC3E}">
